--- a/Ý tưởng thiết kế giao diện web(v2).pptx
+++ b/Ý tưởng thiết kế giao diện web(v2).pptx
@@ -4,6 +4,9 @@
   <p:sldMasterIdLst>
     <p:sldMasterId id="2147483648" r:id="rId1"/>
   </p:sldMasterIdLst>
+  <p:notesMasterIdLst>
+    <p:notesMasterId r:id="rId14"/>
+  </p:notesMasterIdLst>
   <p:sldIdLst>
     <p:sldId id="256" r:id="rId2"/>
     <p:sldId id="257" r:id="rId3"/>
@@ -22,31 +25,38 @@
   <p:notesSz cx="6858000" cy="9144000"/>
   <p:embeddedFontLst>
     <p:embeddedFont>
-      <p:font typeface="Calibri" panose="020F0502020204030204" pitchFamily="34" charset="0"/>
-      <p:regular r:id="rId14"/>
-      <p:bold r:id="rId15"/>
-      <p:italic r:id="rId16"/>
-      <p:boldItalic r:id="rId17"/>
+      <p:font typeface="Roboto" charset="0"/>
+      <p:regular r:id="rId15"/>
+      <p:bold r:id="rId16"/>
+      <p:italic r:id="rId17"/>
+      <p:boldItalic r:id="rId18"/>
     </p:embeddedFont>
     <p:embeddedFont>
-      <p:font typeface="DejaVu Serif" panose="020B0604020202020204" charset="0"/>
-      <p:regular r:id="rId18"/>
+      <p:font typeface="Noto Sans" charset="0"/>
+      <p:regular r:id="rId19"/>
+      <p:bold r:id="rId20"/>
+      <p:italic r:id="rId21"/>
+      <p:boldItalic r:id="rId22"/>
     </p:embeddedFont>
     <p:embeddedFont>
-      <p:font typeface="Noto Sans" panose="020B0604020202020204" charset="0"/>
-      <p:regular r:id="rId19"/>
+      <p:font typeface="Calibri" pitchFamily="34" charset="0"/>
+      <p:regular r:id="rId23"/>
+      <p:bold r:id="rId24"/>
+      <p:italic r:id="rId25"/>
+      <p:boldItalic r:id="rId26"/>
     </p:embeddedFont>
     <p:embeddedFont>
-      <p:font typeface="Noto Sans Bold" panose="020B0604020202020204" charset="0"/>
-      <p:regular r:id="rId20"/>
+      <p:font typeface="Noto Sans Bold" charset="0"/>
+      <p:regular r:id="rId27"/>
+      <p:bold r:id="rId28"/>
     </p:embeddedFont>
     <p:embeddedFont>
-      <p:font typeface="Roboto" panose="020B0604020202020204" charset="0"/>
-      <p:regular r:id="rId21"/>
+      <p:font typeface="DejaVu Serif" charset="0"/>
+      <p:regular r:id="rId29"/>
     </p:embeddedFont>
     <p:embeddedFont>
-      <p:font typeface="Roboto Mono Light" panose="020B0604020202020204" charset="0"/>
-      <p:regular r:id="rId22"/>
+      <p:font typeface="Roboto Mono Light" charset="0"/>
+      <p:regular r:id="rId30"/>
     </p:embeddedFont>
   </p:embeddedFontLst>
   <p:defaultTextStyle>
@@ -146,7 +156,7 @@
   </p:defaultTextStyle>
   <p:extLst>
     <p:ext uri="{EFAFB233-063F-42B5-8137-9DF3F51BA10A}">
-      <p15:sldGuideLst xmlns:p15="http://schemas.microsoft.com/office/powerpoint/2012/main">
+      <p15:sldGuideLst xmlns:p15="http://schemas.microsoft.com/office/powerpoint/2012/main" xmlns="">
         <p15:guide id="1" orient="horz" pos="2160">
           <p15:clr>
             <a:srgbClr val="A4A3A4"/>
@@ -168,7 +178,7 @@
   <p:cmAuthor id="1" name="Thiên Phạm" initials="TP" lastIdx="14" clrIdx="0">
     <p:extLst>
       <p:ext uri="{19B8F6BF-5375-455C-9EA6-DF929625EA0E}">
-        <p15:presenceInfo xmlns:p15="http://schemas.microsoft.com/office/powerpoint/2012/main" userId="6cb891cb79a07f30" providerId="Windows Live"/>
+        <p15:presenceInfo xmlns:p15="http://schemas.microsoft.com/office/powerpoint/2012/main" xmlns="" userId="6cb891cb79a07f30" providerId="Windows Live"/>
       </p:ext>
     </p:extLst>
   </p:cmAuthor>
@@ -182,7 +192,7 @@
     <p:text>Fanpage lúc chưa đăng nhập tài khoản</p:text>
     <p:extLst>
       <p:ext uri="{C676402C-5697-4E1C-873F-D02D1690AC5C}">
-        <p15:threadingInfo xmlns:p15="http://schemas.microsoft.com/office/powerpoint/2012/main" timeZoneBias="-420"/>
+        <p15:threadingInfo xmlns:p15="http://schemas.microsoft.com/office/powerpoint/2012/main" xmlns="" timeZoneBias="-420"/>
       </p:ext>
     </p:extLst>
   </p:cm>
@@ -196,7 +206,7 @@
     <p:text>Thông báo thành công sau khi đặt lại mật khẩu</p:text>
     <p:extLst>
       <p:ext uri="{C676402C-5697-4E1C-873F-D02D1690AC5C}">
-        <p15:threadingInfo xmlns:p15="http://schemas.microsoft.com/office/powerpoint/2012/main" timeZoneBias="-420"/>
+        <p15:threadingInfo xmlns:p15="http://schemas.microsoft.com/office/powerpoint/2012/main" xmlns="" timeZoneBias="-420"/>
       </p:ext>
     </p:extLst>
   </p:cm>
@@ -210,7 +220,7 @@
     <p:text>Fanpage sau khi đăng nhập thành công</p:text>
     <p:extLst>
       <p:ext uri="{C676402C-5697-4E1C-873F-D02D1690AC5C}">
-        <p15:threadingInfo xmlns:p15="http://schemas.microsoft.com/office/powerpoint/2012/main" timeZoneBias="-420"/>
+        <p15:threadingInfo xmlns:p15="http://schemas.microsoft.com/office/powerpoint/2012/main" xmlns="" timeZoneBias="-420"/>
       </p:ext>
     </p:extLst>
   </p:cm>
@@ -224,7 +234,7 @@
     <p:text>Mục thông tin khi bấm vào tài khoản</p:text>
     <p:extLst>
       <p:ext uri="{C676402C-5697-4E1C-873F-D02D1690AC5C}">
-        <p15:threadingInfo xmlns:p15="http://schemas.microsoft.com/office/powerpoint/2012/main" timeZoneBias="-420"/>
+        <p15:threadingInfo xmlns:p15="http://schemas.microsoft.com/office/powerpoint/2012/main" xmlns="" timeZoneBias="-420"/>
       </p:ext>
     </p:extLst>
   </p:cm>
@@ -238,7 +248,7 @@
     <p:text>Lúc bấm vào đăng kí (tài khoản)</p:text>
     <p:extLst>
       <p:ext uri="{C676402C-5697-4E1C-873F-D02D1690AC5C}">
-        <p15:threadingInfo xmlns:p15="http://schemas.microsoft.com/office/powerpoint/2012/main" timeZoneBias="-420"/>
+        <p15:threadingInfo xmlns:p15="http://schemas.microsoft.com/office/powerpoint/2012/main" xmlns="" timeZoneBias="-420"/>
       </p:ext>
     </p:extLst>
   </p:cm>
@@ -252,7 +262,7 @@
     <p:text>Form đăng kí (tài khoản) cho thợ</p:text>
     <p:extLst>
       <p:ext uri="{C676402C-5697-4E1C-873F-D02D1690AC5C}">
-        <p15:threadingInfo xmlns:p15="http://schemas.microsoft.com/office/powerpoint/2012/main" timeZoneBias="-420"/>
+        <p15:threadingInfo xmlns:p15="http://schemas.microsoft.com/office/powerpoint/2012/main" xmlns="" timeZoneBias="-420"/>
       </p:ext>
     </p:extLst>
   </p:cm>
@@ -266,7 +276,7 @@
     <p:text>Form đăng kí (tài khoản) cho khách</p:text>
     <p:extLst>
       <p:ext uri="{C676402C-5697-4E1C-873F-D02D1690AC5C}">
-        <p15:threadingInfo xmlns:p15="http://schemas.microsoft.com/office/powerpoint/2012/main" timeZoneBias="-420"/>
+        <p15:threadingInfo xmlns:p15="http://schemas.microsoft.com/office/powerpoint/2012/main" xmlns="" timeZoneBias="-420"/>
       </p:ext>
     </p:extLst>
   </p:cm>
@@ -280,7 +290,7 @@
     <p:text>Đăng nhập</p:text>
     <p:extLst>
       <p:ext uri="{C676402C-5697-4E1C-873F-D02D1690AC5C}">
-        <p15:threadingInfo xmlns:p15="http://schemas.microsoft.com/office/powerpoint/2012/main" timeZoneBias="-420"/>
+        <p15:threadingInfo xmlns:p15="http://schemas.microsoft.com/office/powerpoint/2012/main" xmlns="" timeZoneBias="-420"/>
       </p:ext>
     </p:extLst>
   </p:cm>
@@ -294,7 +304,7 @@
     <p:text>Quên mật khẩu</p:text>
     <p:extLst>
       <p:ext uri="{C676402C-5697-4E1C-873F-D02D1690AC5C}">
-        <p15:threadingInfo xmlns:p15="http://schemas.microsoft.com/office/powerpoint/2012/main" timeZoneBias="-420"/>
+        <p15:threadingInfo xmlns:p15="http://schemas.microsoft.com/office/powerpoint/2012/main" xmlns="" timeZoneBias="-420"/>
       </p:ext>
     </p:extLst>
   </p:cm>
@@ -308,7 +318,7 @@
     <p:text>Nhập mã bảo mật để lấy lại mật khẩu</p:text>
     <p:extLst>
       <p:ext uri="{C676402C-5697-4E1C-873F-D02D1690AC5C}">
-        <p15:threadingInfo xmlns:p15="http://schemas.microsoft.com/office/powerpoint/2012/main" timeZoneBias="-420"/>
+        <p15:threadingInfo xmlns:p15="http://schemas.microsoft.com/office/powerpoint/2012/main" xmlns="" timeZoneBias="-420"/>
       </p:ext>
     </p:extLst>
   </p:cm>
@@ -322,7 +332,7 @@
     <p:text>Form đặt lại mật khẩu sau khi xác nhận thành công mã thông báo</p:text>
     <p:extLst>
       <p:ext uri="{C676402C-5697-4E1C-873F-D02D1690AC5C}">
-        <p15:threadingInfo xmlns:p15="http://schemas.microsoft.com/office/powerpoint/2012/main" timeZoneBias="-420"/>
+        <p15:threadingInfo xmlns:p15="http://schemas.microsoft.com/office/powerpoint/2012/main" xmlns="" timeZoneBias="-420"/>
       </p:ext>
     </p:extLst>
   </p:cm>
@@ -336,11 +346,465 @@
     <p:text>Báo lỗi nếu nhập mật khẩu mới và xác không trùng khớp</p:text>
     <p:extLst>
       <p:ext uri="{C676402C-5697-4E1C-873F-D02D1690AC5C}">
-        <p15:threadingInfo xmlns:p15="http://schemas.microsoft.com/office/powerpoint/2012/main" timeZoneBias="-420"/>
+        <p15:threadingInfo xmlns:p15="http://schemas.microsoft.com/office/powerpoint/2012/main" xmlns="" timeZoneBias="-420"/>
       </p:ext>
     </p:extLst>
   </p:cm>
 </p:cmLst>
+</file>
+
+<file path=ppt/notesMasters/notesMaster1.xml><?xml version="1.0" encoding="utf-8"?>
+<p:notesMaster xmlns:a="http://schemas.openxmlformats.org/drawingml/2006/main" xmlns:r="http://schemas.openxmlformats.org/officeDocument/2006/relationships" xmlns:p="http://schemas.openxmlformats.org/presentationml/2006/main">
+  <p:cSld>
+    <p:bg>
+      <p:bgRef idx="1001">
+        <a:schemeClr val="bg1"/>
+      </p:bgRef>
+    </p:bg>
+    <p:spTree>
+      <p:nvGrpSpPr>
+        <p:cNvPr id="1" name=""/>
+        <p:cNvGrpSpPr/>
+        <p:nvPr/>
+      </p:nvGrpSpPr>
+      <p:grpSpPr>
+        <a:xfrm>
+          <a:off x="0" y="0"/>
+          <a:ext cx="0" cy="0"/>
+          <a:chOff x="0" y="0"/>
+          <a:chExt cx="0" cy="0"/>
+        </a:xfrm>
+      </p:grpSpPr>
+      <p:sp>
+        <p:nvSpPr>
+          <p:cNvPr id="2" name="Header Placeholder 1"/>
+          <p:cNvSpPr>
+            <a:spLocks noGrp="1"/>
+          </p:cNvSpPr>
+          <p:nvPr>
+            <p:ph type="hdr" sz="quarter"/>
+          </p:nvPr>
+        </p:nvSpPr>
+        <p:spPr>
+          <a:xfrm>
+            <a:off x="0" y="0"/>
+            <a:ext cx="2971800" cy="457200"/>
+          </a:xfrm>
+          <a:prstGeom prst="rect">
+            <a:avLst/>
+          </a:prstGeom>
+        </p:spPr>
+        <p:txBody>
+          <a:bodyPr vert="horz" lIns="91440" tIns="45720" rIns="91440" bIns="45720" rtlCol="0"/>
+          <a:lstStyle>
+            <a:lvl1pPr algn="l">
+              <a:defRPr sz="1200"/>
+            </a:lvl1pPr>
+          </a:lstStyle>
+          <a:p>
+            <a:endParaRPr lang="en-US"/>
+          </a:p>
+        </p:txBody>
+      </p:sp>
+      <p:sp>
+        <p:nvSpPr>
+          <p:cNvPr id="3" name="Date Placeholder 2"/>
+          <p:cNvSpPr>
+            <a:spLocks noGrp="1"/>
+          </p:cNvSpPr>
+          <p:nvPr>
+            <p:ph type="dt" idx="1"/>
+          </p:nvPr>
+        </p:nvSpPr>
+        <p:spPr>
+          <a:xfrm>
+            <a:off x="3884613" y="0"/>
+            <a:ext cx="2971800" cy="457200"/>
+          </a:xfrm>
+          <a:prstGeom prst="rect">
+            <a:avLst/>
+          </a:prstGeom>
+        </p:spPr>
+        <p:txBody>
+          <a:bodyPr vert="horz" lIns="91440" tIns="45720" rIns="91440" bIns="45720" rtlCol="0"/>
+          <a:lstStyle>
+            <a:lvl1pPr algn="r">
+              <a:defRPr sz="1200"/>
+            </a:lvl1pPr>
+          </a:lstStyle>
+          <a:p>
+            <a:fld id="{14D53218-8EAD-4062-8FFC-54C237926AEF}" type="datetimeFigureOut">
+              <a:rPr lang="en-US" smtClean="0"/>
+              <a:t>3/25/2022</a:t>
+            </a:fld>
+            <a:endParaRPr lang="en-US"/>
+          </a:p>
+        </p:txBody>
+      </p:sp>
+      <p:sp>
+        <p:nvSpPr>
+          <p:cNvPr id="4" name="Slide Image Placeholder 3"/>
+          <p:cNvSpPr>
+            <a:spLocks noGrp="1" noRot="1" noChangeAspect="1"/>
+          </p:cNvSpPr>
+          <p:nvPr>
+            <p:ph type="sldImg" idx="2"/>
+          </p:nvPr>
+        </p:nvSpPr>
+        <p:spPr>
+          <a:xfrm>
+            <a:off x="2217738" y="685800"/>
+            <a:ext cx="2422525" cy="3429000"/>
+          </a:xfrm>
+          <a:prstGeom prst="rect">
+            <a:avLst/>
+          </a:prstGeom>
+          <a:noFill/>
+          <a:ln w="12700">
+            <a:solidFill>
+              <a:prstClr val="black"/>
+            </a:solidFill>
+          </a:ln>
+        </p:spPr>
+        <p:txBody>
+          <a:bodyPr vert="horz" lIns="91440" tIns="45720" rIns="91440" bIns="45720" rtlCol="0" anchor="ctr"/>
+          <a:lstStyle/>
+          <a:p>
+            <a:endParaRPr lang="en-US"/>
+          </a:p>
+        </p:txBody>
+      </p:sp>
+      <p:sp>
+        <p:nvSpPr>
+          <p:cNvPr id="5" name="Notes Placeholder 4"/>
+          <p:cNvSpPr>
+            <a:spLocks noGrp="1"/>
+          </p:cNvSpPr>
+          <p:nvPr>
+            <p:ph type="body" sz="quarter" idx="3"/>
+          </p:nvPr>
+        </p:nvSpPr>
+        <p:spPr>
+          <a:xfrm>
+            <a:off x="685800" y="4343400"/>
+            <a:ext cx="5486400" cy="4114800"/>
+          </a:xfrm>
+          <a:prstGeom prst="rect">
+            <a:avLst/>
+          </a:prstGeom>
+        </p:spPr>
+        <p:txBody>
+          <a:bodyPr vert="horz" lIns="91440" tIns="45720" rIns="91440" bIns="45720" rtlCol="0"/>
+          <a:lstStyle/>
+          <a:p>
+            <a:pPr lvl="0"/>
+            <a:r>
+              <a:rPr lang="en-US" smtClean="0"/>
+              <a:t>Click to edit Master text styles</a:t>
+            </a:r>
+          </a:p>
+          <a:p>
+            <a:pPr lvl="1"/>
+            <a:r>
+              <a:rPr lang="en-US" smtClean="0"/>
+              <a:t>Second level</a:t>
+            </a:r>
+          </a:p>
+          <a:p>
+            <a:pPr lvl="2"/>
+            <a:r>
+              <a:rPr lang="en-US" smtClean="0"/>
+              <a:t>Third level</a:t>
+            </a:r>
+          </a:p>
+          <a:p>
+            <a:pPr lvl="3"/>
+            <a:r>
+              <a:rPr lang="en-US" smtClean="0"/>
+              <a:t>Fourth level</a:t>
+            </a:r>
+          </a:p>
+          <a:p>
+            <a:pPr lvl="4"/>
+            <a:r>
+              <a:rPr lang="en-US" smtClean="0"/>
+              <a:t>Fifth level</a:t>
+            </a:r>
+            <a:endParaRPr lang="en-US"/>
+          </a:p>
+        </p:txBody>
+      </p:sp>
+      <p:sp>
+        <p:nvSpPr>
+          <p:cNvPr id="6" name="Footer Placeholder 5"/>
+          <p:cNvSpPr>
+            <a:spLocks noGrp="1"/>
+          </p:cNvSpPr>
+          <p:nvPr>
+            <p:ph type="ftr" sz="quarter" idx="4"/>
+          </p:nvPr>
+        </p:nvSpPr>
+        <p:spPr>
+          <a:xfrm>
+            <a:off x="0" y="8685213"/>
+            <a:ext cx="2971800" cy="457200"/>
+          </a:xfrm>
+          <a:prstGeom prst="rect">
+            <a:avLst/>
+          </a:prstGeom>
+        </p:spPr>
+        <p:txBody>
+          <a:bodyPr vert="horz" lIns="91440" tIns="45720" rIns="91440" bIns="45720" rtlCol="0" anchor="b"/>
+          <a:lstStyle>
+            <a:lvl1pPr algn="l">
+              <a:defRPr sz="1200"/>
+            </a:lvl1pPr>
+          </a:lstStyle>
+          <a:p>
+            <a:endParaRPr lang="en-US"/>
+          </a:p>
+        </p:txBody>
+      </p:sp>
+      <p:sp>
+        <p:nvSpPr>
+          <p:cNvPr id="7" name="Slide Number Placeholder 6"/>
+          <p:cNvSpPr>
+            <a:spLocks noGrp="1"/>
+          </p:cNvSpPr>
+          <p:nvPr>
+            <p:ph type="sldNum" sz="quarter" idx="5"/>
+          </p:nvPr>
+        </p:nvSpPr>
+        <p:spPr>
+          <a:xfrm>
+            <a:off x="3884613" y="8685213"/>
+            <a:ext cx="2971800" cy="457200"/>
+          </a:xfrm>
+          <a:prstGeom prst="rect">
+            <a:avLst/>
+          </a:prstGeom>
+        </p:spPr>
+        <p:txBody>
+          <a:bodyPr vert="horz" lIns="91440" tIns="45720" rIns="91440" bIns="45720" rtlCol="0" anchor="b"/>
+          <a:lstStyle>
+            <a:lvl1pPr algn="r">
+              <a:defRPr sz="1200"/>
+            </a:lvl1pPr>
+          </a:lstStyle>
+          <a:p>
+            <a:fld id="{2BFC1CA9-1E17-4D56-8ABF-B77844FE05CF}" type="slidenum">
+              <a:rPr lang="en-US" smtClean="0"/>
+              <a:t>‹#›</a:t>
+            </a:fld>
+            <a:endParaRPr lang="en-US"/>
+          </a:p>
+        </p:txBody>
+      </p:sp>
+    </p:spTree>
+    <p:extLst>
+      <p:ext uri="{BB962C8B-B14F-4D97-AF65-F5344CB8AC3E}">
+        <p14:creationId xmlns:p14="http://schemas.microsoft.com/office/powerpoint/2010/main" val="2791334712"/>
+      </p:ext>
+    </p:extLst>
+  </p:cSld>
+  <p:clrMap bg1="lt1" tx1="dk1" bg2="lt2" tx2="dk2" accent1="accent1" accent2="accent2" accent3="accent3" accent4="accent4" accent5="accent5" accent6="accent6" hlink="hlink" folHlink="folHlink"/>
+  <p:notesStyle>
+    <a:lvl1pPr marL="0" algn="l" defTabSz="914400" rtl="0" eaLnBrk="1" latinLnBrk="0" hangingPunct="1">
+      <a:defRPr sz="1200" kern="1200">
+        <a:solidFill>
+          <a:schemeClr val="tx1"/>
+        </a:solidFill>
+        <a:latin typeface="+mn-lt"/>
+        <a:ea typeface="+mn-ea"/>
+        <a:cs typeface="+mn-cs"/>
+      </a:defRPr>
+    </a:lvl1pPr>
+    <a:lvl2pPr marL="457200" algn="l" defTabSz="914400" rtl="0" eaLnBrk="1" latinLnBrk="0" hangingPunct="1">
+      <a:defRPr sz="1200" kern="1200">
+        <a:solidFill>
+          <a:schemeClr val="tx1"/>
+        </a:solidFill>
+        <a:latin typeface="+mn-lt"/>
+        <a:ea typeface="+mn-ea"/>
+        <a:cs typeface="+mn-cs"/>
+      </a:defRPr>
+    </a:lvl2pPr>
+    <a:lvl3pPr marL="914400" algn="l" defTabSz="914400" rtl="0" eaLnBrk="1" latinLnBrk="0" hangingPunct="1">
+      <a:defRPr sz="1200" kern="1200">
+        <a:solidFill>
+          <a:schemeClr val="tx1"/>
+        </a:solidFill>
+        <a:latin typeface="+mn-lt"/>
+        <a:ea typeface="+mn-ea"/>
+        <a:cs typeface="+mn-cs"/>
+      </a:defRPr>
+    </a:lvl3pPr>
+    <a:lvl4pPr marL="1371600" algn="l" defTabSz="914400" rtl="0" eaLnBrk="1" latinLnBrk="0" hangingPunct="1">
+      <a:defRPr sz="1200" kern="1200">
+        <a:solidFill>
+          <a:schemeClr val="tx1"/>
+        </a:solidFill>
+        <a:latin typeface="+mn-lt"/>
+        <a:ea typeface="+mn-ea"/>
+        <a:cs typeface="+mn-cs"/>
+      </a:defRPr>
+    </a:lvl4pPr>
+    <a:lvl5pPr marL="1828800" algn="l" defTabSz="914400" rtl="0" eaLnBrk="1" latinLnBrk="0" hangingPunct="1">
+      <a:defRPr sz="1200" kern="1200">
+        <a:solidFill>
+          <a:schemeClr val="tx1"/>
+        </a:solidFill>
+        <a:latin typeface="+mn-lt"/>
+        <a:ea typeface="+mn-ea"/>
+        <a:cs typeface="+mn-cs"/>
+      </a:defRPr>
+    </a:lvl5pPr>
+    <a:lvl6pPr marL="2286000" algn="l" defTabSz="914400" rtl="0" eaLnBrk="1" latinLnBrk="0" hangingPunct="1">
+      <a:defRPr sz="1200" kern="1200">
+        <a:solidFill>
+          <a:schemeClr val="tx1"/>
+        </a:solidFill>
+        <a:latin typeface="+mn-lt"/>
+        <a:ea typeface="+mn-ea"/>
+        <a:cs typeface="+mn-cs"/>
+      </a:defRPr>
+    </a:lvl6pPr>
+    <a:lvl7pPr marL="2743200" algn="l" defTabSz="914400" rtl="0" eaLnBrk="1" latinLnBrk="0" hangingPunct="1">
+      <a:defRPr sz="1200" kern="1200">
+        <a:solidFill>
+          <a:schemeClr val="tx1"/>
+        </a:solidFill>
+        <a:latin typeface="+mn-lt"/>
+        <a:ea typeface="+mn-ea"/>
+        <a:cs typeface="+mn-cs"/>
+      </a:defRPr>
+    </a:lvl7pPr>
+    <a:lvl8pPr marL="3200400" algn="l" defTabSz="914400" rtl="0" eaLnBrk="1" latinLnBrk="0" hangingPunct="1">
+      <a:defRPr sz="1200" kern="1200">
+        <a:solidFill>
+          <a:schemeClr val="tx1"/>
+        </a:solidFill>
+        <a:latin typeface="+mn-lt"/>
+        <a:ea typeface="+mn-ea"/>
+        <a:cs typeface="+mn-cs"/>
+      </a:defRPr>
+    </a:lvl8pPr>
+    <a:lvl9pPr marL="3657600" algn="l" defTabSz="914400" rtl="0" eaLnBrk="1" latinLnBrk="0" hangingPunct="1">
+      <a:defRPr sz="1200" kern="1200">
+        <a:solidFill>
+          <a:schemeClr val="tx1"/>
+        </a:solidFill>
+        <a:latin typeface="+mn-lt"/>
+        <a:ea typeface="+mn-ea"/>
+        <a:cs typeface="+mn-cs"/>
+      </a:defRPr>
+    </a:lvl9pPr>
+  </p:notesStyle>
+</p:notesMaster>
+</file>
+
+<file path=ppt/notesSlides/notesSlide1.xml><?xml version="1.0" encoding="utf-8"?>
+<p:notes xmlns:a="http://schemas.openxmlformats.org/drawingml/2006/main" xmlns:r="http://schemas.openxmlformats.org/officeDocument/2006/relationships" xmlns:p="http://schemas.openxmlformats.org/presentationml/2006/main">
+  <p:cSld>
+    <p:spTree>
+      <p:nvGrpSpPr>
+        <p:cNvPr id="1" name=""/>
+        <p:cNvGrpSpPr/>
+        <p:nvPr/>
+      </p:nvGrpSpPr>
+      <p:grpSpPr>
+        <a:xfrm>
+          <a:off x="0" y="0"/>
+          <a:ext cx="0" cy="0"/>
+          <a:chOff x="0" y="0"/>
+          <a:chExt cx="0" cy="0"/>
+        </a:xfrm>
+      </p:grpSpPr>
+      <p:sp>
+        <p:nvSpPr>
+          <p:cNvPr id="2" name="Slide Image Placeholder 1"/>
+          <p:cNvSpPr>
+            <a:spLocks noGrp="1" noRot="1" noChangeAspect="1"/>
+          </p:cNvSpPr>
+          <p:nvPr>
+            <p:ph type="sldImg"/>
+          </p:nvPr>
+        </p:nvSpPr>
+        <p:spPr/>
+      </p:sp>
+      <p:sp>
+        <p:nvSpPr>
+          <p:cNvPr id="3" name="Notes Placeholder 2"/>
+          <p:cNvSpPr>
+            <a:spLocks noGrp="1"/>
+          </p:cNvSpPr>
+          <p:nvPr>
+            <p:ph type="body" idx="1"/>
+          </p:nvPr>
+        </p:nvSpPr>
+        <p:spPr/>
+        <p:txBody>
+          <a:bodyPr/>
+          <a:lstStyle/>
+          <a:p>
+            <a:pPr marL="0" marR="0" indent="0" algn="l" defTabSz="914400" rtl="0" eaLnBrk="1" fontAlgn="auto" latinLnBrk="0" hangingPunct="1">
+              <a:lnSpc>
+                <a:spcPct val="100000"/>
+              </a:lnSpc>
+              <a:spcBef>
+                <a:spcPts val="0"/>
+              </a:spcBef>
+              <a:spcAft>
+                <a:spcPts val="0"/>
+              </a:spcAft>
+              <a:buClrTx/>
+              <a:buSzTx/>
+              <a:buFontTx/>
+              <a:buNone/>
+              <a:tabLst/>
+              <a:defRPr/>
+            </a:pPr>
+            <a:r>
+              <a:rPr lang="vi-VN" dirty="0" smtClean="0"/>
+              <a:t>Mã màu : #8FA2F6</a:t>
+            </a:r>
+          </a:p>
+        </p:txBody>
+      </p:sp>
+      <p:sp>
+        <p:nvSpPr>
+          <p:cNvPr id="4" name="Slide Number Placeholder 3"/>
+          <p:cNvSpPr>
+            <a:spLocks noGrp="1"/>
+          </p:cNvSpPr>
+          <p:nvPr>
+            <p:ph type="sldNum" sz="quarter" idx="10"/>
+          </p:nvPr>
+        </p:nvSpPr>
+        <p:spPr/>
+        <p:txBody>
+          <a:bodyPr/>
+          <a:lstStyle/>
+          <a:p>
+            <a:fld id="{2BFC1CA9-1E17-4D56-8ABF-B77844FE05CF}" type="slidenum">
+              <a:rPr lang="en-US" smtClean="0"/>
+              <a:t>1</a:t>
+            </a:fld>
+            <a:endParaRPr lang="en-US"/>
+          </a:p>
+        </p:txBody>
+      </p:sp>
+    </p:spTree>
+    <p:extLst>
+      <p:ext uri="{BB962C8B-B14F-4D97-AF65-F5344CB8AC3E}">
+        <p14:creationId xmlns:p14="http://schemas.microsoft.com/office/powerpoint/2010/main" val="868292046"/>
+      </p:ext>
+    </p:extLst>
+  </p:cSld>
+  <p:clrMapOvr>
+    <a:masterClrMapping/>
+  </p:clrMapOvr>
+</p:notes>
 </file>
 
 <file path=ppt/slideLayouts/slideLayout1.xml><?xml version="1.0" encoding="utf-8"?>
@@ -3338,7 +3802,7 @@
           <p:nvPr/>
         </p:nvPicPr>
         <p:blipFill>
-          <a:blip r:embed="rId2"/>
+          <a:blip r:embed="rId3"/>
           <a:srcRect/>
           <a:stretch>
             <a:fillRect/>
@@ -3752,13 +4216,13 @@
           <p:nvPr/>
         </p:nvPicPr>
         <p:blipFill>
-          <a:blip r:embed="rId3">
+          <a:blip r:embed="rId4">
             <a:extLst>
               <a:ext uri="{28A0092B-C50C-407E-A947-70E740481C1C}">
                 <a14:useLocalDpi xmlns:a14="http://schemas.microsoft.com/office/drawing/2010/main" val="0"/>
               </a:ext>
               <a:ext uri="{96DAC541-7B7A-43D3-8B79-37D633B846F1}">
-                <asvg:svgBlip xmlns:asvg="http://schemas.microsoft.com/office/drawing/2016/SVG/main" r:embed="rId4"/>
+                <asvg:svgBlip xmlns:asvg="http://schemas.microsoft.com/office/drawing/2016/SVG/main" xmlns="" r:embed="rId5"/>
               </a:ext>
             </a:extLst>
           </a:blip>
@@ -3976,7 +4440,7 @@
           <p:nvPr/>
         </p:nvPicPr>
         <p:blipFill>
-          <a:blip r:embed="rId5"/>
+          <a:blip r:embed="rId6"/>
           <a:srcRect l="1422" t="20024" r="1973"/>
           <a:stretch>
             <a:fillRect/>
@@ -4647,7 +5111,7 @@
           <p:nvPr/>
         </p:nvPicPr>
         <p:blipFill>
-          <a:blip r:embed="rId6"/>
+          <a:blip r:embed="rId7"/>
           <a:srcRect l="21211" r="31746" b="14062"/>
           <a:stretch>
             <a:fillRect/>
@@ -4672,7 +5136,7 @@
           <p:nvPr/>
         </p:nvPicPr>
         <p:blipFill>
-          <a:blip r:embed="rId7"/>
+          <a:blip r:embed="rId8"/>
           <a:srcRect l="10017" r="20654"/>
           <a:stretch>
             <a:fillRect/>
@@ -4697,7 +5161,7 @@
           <p:nvPr/>
         </p:nvPicPr>
         <p:blipFill>
-          <a:blip r:embed="rId8"/>
+          <a:blip r:embed="rId9"/>
           <a:srcRect l="6185" r="18924" b="15886"/>
           <a:stretch>
             <a:fillRect/>
@@ -4870,6 +5334,13 @@
   <p:clrMapOvr>
     <a:masterClrMapping/>
   </p:clrMapOvr>
+  <p:timing>
+    <p:tnLst>
+      <p:par>
+        <p:cTn id="1" dur="indefinite" restart="never" nodeType="tmRoot"/>
+      </p:par>
+    </p:tnLst>
+  </p:timing>
 </p:sld>
 </file>
 
@@ -6909,7 +7380,7 @@
                 <a14:useLocalDpi xmlns:a14="http://schemas.microsoft.com/office/drawing/2010/main" val="0"/>
               </a:ext>
               <a:ext uri="{96DAC541-7B7A-43D3-8B79-37D633B846F1}">
-                <asvg:svgBlip xmlns:asvg="http://schemas.microsoft.com/office/drawing/2016/SVG/main" r:embed="rId8"/>
+                <asvg:svgBlip xmlns:asvg="http://schemas.microsoft.com/office/drawing/2016/SVG/main" xmlns="" r:embed="rId8"/>
               </a:ext>
             </a:extLst>
           </a:blip>
@@ -6943,7 +7414,7 @@
                 <a14:useLocalDpi xmlns:a14="http://schemas.microsoft.com/office/drawing/2010/main" val="0"/>
               </a:ext>
               <a:ext uri="{96DAC541-7B7A-43D3-8B79-37D633B846F1}">
-                <asvg:svgBlip xmlns:asvg="http://schemas.microsoft.com/office/drawing/2016/SVG/main" r:embed="rId10"/>
+                <asvg:svgBlip xmlns:asvg="http://schemas.microsoft.com/office/drawing/2016/SVG/main" xmlns="" r:embed="rId10"/>
               </a:ext>
             </a:extLst>
           </a:blip>
@@ -7891,6 +8362,13 @@
   <p:clrMapOvr>
     <a:masterClrMapping/>
   </p:clrMapOvr>
+  <p:timing>
+    <p:tnLst>
+      <p:par>
+        <p:cTn id="1" dur="indefinite" restart="never" nodeType="tmRoot"/>
+      </p:par>
+    </p:tnLst>
+  </p:timing>
 </p:sld>
 </file>
 
@@ -13513,4 +13991,289 @@
   <a:objectDefaults/>
   <a:extraClrSchemeLst/>
 </a:theme>
+</file>
+
+<file path=ppt/theme/theme2.xml><?xml version="1.0" encoding="utf-8"?>
+<a:theme xmlns:a="http://schemas.openxmlformats.org/drawingml/2006/main" name="Office Theme">
+  <a:themeElements>
+    <a:clrScheme name="Office">
+      <a:dk1>
+        <a:sysClr val="windowText" lastClr="000000"/>
+      </a:dk1>
+      <a:lt1>
+        <a:sysClr val="window" lastClr="FFFFFF"/>
+      </a:lt1>
+      <a:dk2>
+        <a:srgbClr val="1F497D"/>
+      </a:dk2>
+      <a:lt2>
+        <a:srgbClr val="EEECE1"/>
+      </a:lt2>
+      <a:accent1>
+        <a:srgbClr val="4F81BD"/>
+      </a:accent1>
+      <a:accent2>
+        <a:srgbClr val="C0504D"/>
+      </a:accent2>
+      <a:accent3>
+        <a:srgbClr val="9BBB59"/>
+      </a:accent3>
+      <a:accent4>
+        <a:srgbClr val="8064A2"/>
+      </a:accent4>
+      <a:accent5>
+        <a:srgbClr val="4BACC6"/>
+      </a:accent5>
+      <a:accent6>
+        <a:srgbClr val="F79646"/>
+      </a:accent6>
+      <a:hlink>
+        <a:srgbClr val="0000FF"/>
+      </a:hlink>
+      <a:folHlink>
+        <a:srgbClr val="800080"/>
+      </a:folHlink>
+    </a:clrScheme>
+    <a:fontScheme name="Office">
+      <a:majorFont>
+        <a:latin typeface="Calibri"/>
+        <a:ea typeface=""/>
+        <a:cs typeface=""/>
+        <a:font script="Jpan" typeface="ＭＳ Ｐゴシック"/>
+        <a:font script="Hang" typeface="맑은 고딕"/>
+        <a:font script="Hans" typeface="宋体"/>
+        <a:font script="Hant" typeface="新細明體"/>
+        <a:font script="Arab" typeface="Times New Roman"/>
+        <a:font script="Hebr" typeface="Times New Roman"/>
+        <a:font script="Thai" typeface="Angsana New"/>
+        <a:font script="Ethi" typeface="Nyala"/>
+        <a:font script="Beng" typeface="Vrinda"/>
+        <a:font script="Gujr" typeface="Shruti"/>
+        <a:font script="Khmr" typeface="MoolBoran"/>
+        <a:font script="Knda" typeface="Tunga"/>
+        <a:font script="Guru" typeface="Raavi"/>
+        <a:font script="Cans" typeface="Euphemia"/>
+        <a:font script="Cher" typeface="Plantagenet Cherokee"/>
+        <a:font script="Yiii" typeface="Microsoft Yi Baiti"/>
+        <a:font script="Tibt" typeface="Microsoft Himalaya"/>
+        <a:font script="Thaa" typeface="MV Boli"/>
+        <a:font script="Deva" typeface="Mangal"/>
+        <a:font script="Telu" typeface="Gautami"/>
+        <a:font script="Taml" typeface="Latha"/>
+        <a:font script="Syrc" typeface="Estrangelo Edessa"/>
+        <a:font script="Orya" typeface="Kalinga"/>
+        <a:font script="Mlym" typeface="Kartika"/>
+        <a:font script="Laoo" typeface="DokChampa"/>
+        <a:font script="Sinh" typeface="Iskoola Pota"/>
+        <a:font script="Mong" typeface="Mongolian Baiti"/>
+        <a:font script="Viet" typeface="Times New Roman"/>
+        <a:font script="Uigh" typeface="Microsoft Uighur"/>
+        <a:font script="Geor" typeface="Sylfaen"/>
+      </a:majorFont>
+      <a:minorFont>
+        <a:latin typeface="Calibri"/>
+        <a:ea typeface=""/>
+        <a:cs typeface=""/>
+        <a:font script="Jpan" typeface="ＭＳ Ｐゴシック"/>
+        <a:font script="Hang" typeface="맑은 고딕"/>
+        <a:font script="Hans" typeface="宋体"/>
+        <a:font script="Hant" typeface="新細明體"/>
+        <a:font script="Arab" typeface="Arial"/>
+        <a:font script="Hebr" typeface="Arial"/>
+        <a:font script="Thai" typeface="Cordia New"/>
+        <a:font script="Ethi" typeface="Nyala"/>
+        <a:font script="Beng" typeface="Vrinda"/>
+        <a:font script="Gujr" typeface="Shruti"/>
+        <a:font script="Khmr" typeface="DaunPenh"/>
+        <a:font script="Knda" typeface="Tunga"/>
+        <a:font script="Guru" typeface="Raavi"/>
+        <a:font script="Cans" typeface="Euphemia"/>
+        <a:font script="Cher" typeface="Plantagenet Cherokee"/>
+        <a:font script="Yiii" typeface="Microsoft Yi Baiti"/>
+        <a:font script="Tibt" typeface="Microsoft Himalaya"/>
+        <a:font script="Thaa" typeface="MV Boli"/>
+        <a:font script="Deva" typeface="Mangal"/>
+        <a:font script="Telu" typeface="Gautami"/>
+        <a:font script="Taml" typeface="Latha"/>
+        <a:font script="Syrc" typeface="Estrangelo Edessa"/>
+        <a:font script="Orya" typeface="Kalinga"/>
+        <a:font script="Mlym" typeface="Kartika"/>
+        <a:font script="Laoo" typeface="DokChampa"/>
+        <a:font script="Sinh" typeface="Iskoola Pota"/>
+        <a:font script="Mong" typeface="Mongolian Baiti"/>
+        <a:font script="Viet" typeface="Arial"/>
+        <a:font script="Uigh" typeface="Microsoft Uighur"/>
+        <a:font script="Geor" typeface="Sylfaen"/>
+      </a:minorFont>
+    </a:fontScheme>
+    <a:fmtScheme name="Office">
+      <a:fillStyleLst>
+        <a:solidFill>
+          <a:schemeClr val="phClr"/>
+        </a:solidFill>
+        <a:gradFill rotWithShape="1">
+          <a:gsLst>
+            <a:gs pos="0">
+              <a:schemeClr val="phClr">
+                <a:tint val="50000"/>
+                <a:satMod val="300000"/>
+              </a:schemeClr>
+            </a:gs>
+            <a:gs pos="35000">
+              <a:schemeClr val="phClr">
+                <a:tint val="37000"/>
+                <a:satMod val="300000"/>
+              </a:schemeClr>
+            </a:gs>
+            <a:gs pos="100000">
+              <a:schemeClr val="phClr">
+                <a:tint val="15000"/>
+                <a:satMod val="350000"/>
+              </a:schemeClr>
+            </a:gs>
+          </a:gsLst>
+          <a:lin ang="16200000" scaled="1"/>
+        </a:gradFill>
+        <a:gradFill rotWithShape="1">
+          <a:gsLst>
+            <a:gs pos="0">
+              <a:schemeClr val="phClr">
+                <a:shade val="51000"/>
+                <a:satMod val="130000"/>
+              </a:schemeClr>
+            </a:gs>
+            <a:gs pos="80000">
+              <a:schemeClr val="phClr">
+                <a:shade val="93000"/>
+                <a:satMod val="130000"/>
+              </a:schemeClr>
+            </a:gs>
+            <a:gs pos="100000">
+              <a:schemeClr val="phClr">
+                <a:shade val="94000"/>
+                <a:satMod val="135000"/>
+              </a:schemeClr>
+            </a:gs>
+          </a:gsLst>
+          <a:lin ang="16200000" scaled="0"/>
+        </a:gradFill>
+      </a:fillStyleLst>
+      <a:lnStyleLst>
+        <a:ln w="9525" cap="flat" cmpd="sng" algn="ctr">
+          <a:solidFill>
+            <a:schemeClr val="phClr">
+              <a:shade val="95000"/>
+              <a:satMod val="105000"/>
+            </a:schemeClr>
+          </a:solidFill>
+          <a:prstDash val="solid"/>
+        </a:ln>
+        <a:ln w="25400" cap="flat" cmpd="sng" algn="ctr">
+          <a:solidFill>
+            <a:schemeClr val="phClr"/>
+          </a:solidFill>
+          <a:prstDash val="solid"/>
+        </a:ln>
+        <a:ln w="38100" cap="flat" cmpd="sng" algn="ctr">
+          <a:solidFill>
+            <a:schemeClr val="phClr"/>
+          </a:solidFill>
+          <a:prstDash val="solid"/>
+        </a:ln>
+      </a:lnStyleLst>
+      <a:effectStyleLst>
+        <a:effectStyle>
+          <a:effectLst>
+            <a:outerShdw blurRad="40000" dist="20000" dir="5400000" rotWithShape="0">
+              <a:srgbClr val="000000">
+                <a:alpha val="38000"/>
+              </a:srgbClr>
+            </a:outerShdw>
+          </a:effectLst>
+        </a:effectStyle>
+        <a:effectStyle>
+          <a:effectLst>
+            <a:outerShdw blurRad="40000" dist="23000" dir="5400000" rotWithShape="0">
+              <a:srgbClr val="000000">
+                <a:alpha val="35000"/>
+              </a:srgbClr>
+            </a:outerShdw>
+          </a:effectLst>
+        </a:effectStyle>
+        <a:effectStyle>
+          <a:effectLst>
+            <a:outerShdw blurRad="40000" dist="23000" dir="5400000" rotWithShape="0">
+              <a:srgbClr val="000000">
+                <a:alpha val="35000"/>
+              </a:srgbClr>
+            </a:outerShdw>
+          </a:effectLst>
+          <a:scene3d>
+            <a:camera prst="orthographicFront">
+              <a:rot lat="0" lon="0" rev="0"/>
+            </a:camera>
+            <a:lightRig rig="threePt" dir="t">
+              <a:rot lat="0" lon="0" rev="1200000"/>
+            </a:lightRig>
+          </a:scene3d>
+          <a:sp3d>
+            <a:bevelT w="63500" h="25400"/>
+          </a:sp3d>
+        </a:effectStyle>
+      </a:effectStyleLst>
+      <a:bgFillStyleLst>
+        <a:solidFill>
+          <a:schemeClr val="phClr"/>
+        </a:solidFill>
+        <a:gradFill rotWithShape="1">
+          <a:gsLst>
+            <a:gs pos="0">
+              <a:schemeClr val="phClr">
+                <a:tint val="40000"/>
+                <a:satMod val="350000"/>
+              </a:schemeClr>
+            </a:gs>
+            <a:gs pos="40000">
+              <a:schemeClr val="phClr">
+                <a:tint val="45000"/>
+                <a:shade val="99000"/>
+                <a:satMod val="350000"/>
+              </a:schemeClr>
+            </a:gs>
+            <a:gs pos="100000">
+              <a:schemeClr val="phClr">
+                <a:shade val="20000"/>
+                <a:satMod val="255000"/>
+              </a:schemeClr>
+            </a:gs>
+          </a:gsLst>
+          <a:path path="circle">
+            <a:fillToRect l="50000" t="-80000" r="50000" b="180000"/>
+          </a:path>
+        </a:gradFill>
+        <a:gradFill rotWithShape="1">
+          <a:gsLst>
+            <a:gs pos="0">
+              <a:schemeClr val="phClr">
+                <a:tint val="80000"/>
+                <a:satMod val="300000"/>
+              </a:schemeClr>
+            </a:gs>
+            <a:gs pos="100000">
+              <a:schemeClr val="phClr">
+                <a:shade val="30000"/>
+                <a:satMod val="200000"/>
+              </a:schemeClr>
+            </a:gs>
+          </a:gsLst>
+          <a:path path="circle">
+            <a:fillToRect l="50000" t="50000" r="50000" b="50000"/>
+          </a:path>
+        </a:gradFill>
+      </a:bgFillStyleLst>
+    </a:fmtScheme>
+  </a:themeElements>
+  <a:objectDefaults/>
+  <a:extraClrSchemeLst/>
+</a:theme>
 </file>